--- a/TRỊNH TÚ.pptx
+++ b/TRỊNH TÚ.pptx
@@ -8,10 +8,11 @@
     <p:sldId id="256" r:id="rId2"/>
     <p:sldId id="257" r:id="rId3"/>
     <p:sldId id="258" r:id="rId4"/>
-    <p:sldId id="259" r:id="rId5"/>
-    <p:sldId id="260" r:id="rId6"/>
-    <p:sldId id="261" r:id="rId7"/>
-    <p:sldId id="262" r:id="rId8"/>
+    <p:sldId id="263" r:id="rId5"/>
+    <p:sldId id="259" r:id="rId6"/>
+    <p:sldId id="260" r:id="rId7"/>
+    <p:sldId id="261" r:id="rId8"/>
+    <p:sldId id="262" r:id="rId9"/>
   </p:sldIdLst>
   <p:sldSz cx="12192000" cy="6858000"/>
   <p:notesSz cx="6858000" cy="9144000"/>
@@ -110,6 +111,11 @@
       </a:defRPr>
     </a:lvl9pPr>
   </p:defaultTextStyle>
+  <p:extLst>
+    <p:ext uri="{EFAFB233-063F-42B5-8137-9DF3F51BA10A}">
+      <p15:sldGuideLst xmlns:p15="http://schemas.microsoft.com/office/powerpoint/2012/main"/>
+    </p:ext>
+  </p:extLst>
 </p:presentation>
 </file>
 
@@ -7656,8 +7662,12 @@
               <a:rPr lang="en-US" dirty="0"/>
             </a:br>
             <a:r>
+              <a:rPr lang="en-US" dirty="0" smtClean="0"/>
+              <a:t>4A6</a:t>
+            </a:r>
+            <a:r>
               <a:rPr lang="en-US" dirty="0"/>
-              <a:t>4a6</a:t>
+              <a:t/>
             </a:r>
             <a:br>
               <a:rPr lang="en-US" dirty="0"/>
@@ -9860,27 +9870,14 @@
             <p:ph type="title"/>
           </p:nvPr>
         </p:nvSpPr>
-        <p:spPr>
-          <a:xfrm>
-            <a:off x="1719714" y="1538510"/>
-            <a:ext cx="8911687" cy="1280890"/>
-          </a:xfrm>
-        </p:spPr>
+        <p:spPr/>
         <p:txBody>
           <a:bodyPr/>
           <a:lstStyle/>
           <a:p>
             <a:r>
               <a:rPr lang="en-US" dirty="0" err="1" smtClean="0"/>
-              <a:t>Các</a:t>
-            </a:r>
-            <a:r>
-              <a:rPr lang="en-US" dirty="0" smtClean="0"/>
-              <a:t> game </a:t>
-            </a:r>
-            <a:r>
-              <a:rPr lang="en-US" dirty="0" err="1" smtClean="0"/>
-              <a:t>ví</a:t>
+              <a:t>Ví</a:t>
             </a:r>
             <a:r>
               <a:rPr lang="en-US" dirty="0" smtClean="0"/>
@@ -9896,230 +9893,51 @@
       </p:sp>
       <p:sp>
         <p:nvSpPr>
-          <p:cNvPr id="4" name="Rectangle 1"/>
+          <p:cNvPr id="3" name="Content Placeholder 2"/>
           <p:cNvSpPr>
-            <a:spLocks noGrp="1" noChangeArrowheads="1"/>
+            <a:spLocks noGrp="1"/>
           </p:cNvSpPr>
           <p:nvPr>
             <p:ph idx="1"/>
           </p:nvPr>
         </p:nvSpPr>
-        <p:spPr bwMode="auto">
+        <p:spPr/>
+        <p:txBody>
+          <a:bodyPr/>
+          <a:lstStyle/>
+          <a:p>
+            <a:endParaRPr lang="en-US"/>
+          </a:p>
+        </p:txBody>
+      </p:sp>
+      <p:pic>
+        <p:nvPicPr>
+          <p:cNvPr id="4" name="Picture 3"/>
+          <p:cNvPicPr>
+            <a:picLocks noChangeAspect="1"/>
+          </p:cNvPicPr>
+          <p:nvPr/>
+        </p:nvPicPr>
+        <p:blipFill>
+          <a:blip r:embed="rId2"/>
+          <a:stretch>
+            <a:fillRect/>
+          </a:stretch>
+        </p:blipFill>
+        <p:spPr>
           <a:xfrm>
-            <a:off x="1716001" y="1178011"/>
-            <a:ext cx="8915400" cy="3777622"/>
+            <a:off x="4296503" y="1558127"/>
+            <a:ext cx="7208109" cy="4617368"/>
           </a:xfrm>
           <a:prstGeom prst="rect">
             <a:avLst/>
           </a:prstGeom>
-          <a:noFill/>
-          <a:ln>
-            <a:noFill/>
-          </a:ln>
-          <a:effectLst/>
-          <a:extLst>
-            <a:ext uri="{909E8E84-426E-40DD-AFC4-6F175D3DCCD1}">
-              <a14:hiddenFill xmlns:a14="http://schemas.microsoft.com/office/drawing/2010/main">
-                <a:solidFill>
-                  <a:schemeClr val="accent1"/>
-                </a:solidFill>
-              </a14:hiddenFill>
-            </a:ext>
-            <a:ext uri="{91240B29-F687-4F45-9708-019B960494DF}">
-              <a14:hiddenLine xmlns:a14="http://schemas.microsoft.com/office/drawing/2010/main" w="9525">
-                <a:solidFill>
-                  <a:schemeClr val="tx1"/>
-                </a:solidFill>
-                <a:miter lim="800000"/>
-                <a:headEnd/>
-                <a:tailEnd/>
-              </a14:hiddenLine>
-            </a:ext>
-            <a:ext uri="{AF507438-7753-43E0-B8FC-AC1667EBCBE1}">
-              <a14:hiddenEffects xmlns:a14="http://schemas.microsoft.com/office/drawing/2010/main">
-                <a:effectLst>
-                  <a:outerShdw dist="35921" dir="2700000" algn="ctr" rotWithShape="0">
-                    <a:schemeClr val="bg2"/>
-                  </a:outerShdw>
-                </a:effectLst>
-              </a14:hiddenEffects>
-            </a:ext>
-          </a:extLst>
         </p:spPr>
-        <p:txBody>
-          <a:bodyPr vert="horz" wrap="none" lIns="91440" tIns="45720" rIns="91440" bIns="45720" numCol="1" anchor="ctr" anchorCtr="0" compatLnSpc="1">
-            <a:prstTxWarp prst="textNoShape">
-              <a:avLst/>
-            </a:prstTxWarp>
-            <a:spAutoFit/>
-          </a:bodyPr>
-          <a:lstStyle/>
-          <a:p>
-            <a:pPr marL="0" marR="0" lvl="0" indent="0" algn="l" defTabSz="914400" rtl="0" eaLnBrk="0" fontAlgn="base" latinLnBrk="0" hangingPunct="0">
-              <a:lnSpc>
-                <a:spcPct val="100000"/>
-              </a:lnSpc>
-              <a:spcBef>
-                <a:spcPct val="0"/>
-              </a:spcBef>
-              <a:spcAft>
-                <a:spcPct val="0"/>
-              </a:spcAft>
-              <a:buClrTx/>
-              <a:buSzTx/>
-              <a:buFontTx/>
-              <a:buChar char="•"/>
-              <a:tabLst/>
-            </a:pPr>
-            <a:r>
-              <a:rPr kumimoji="0" lang="en-US" altLang="en-US" sz="1800" b="1" i="0" u="none" strike="noStrike" cap="none" normalizeH="0" baseline="0" smtClean="0">
-                <a:ln>
-                  <a:noFill/>
-                </a:ln>
-                <a:solidFill>
-                  <a:schemeClr val="tx1"/>
-                </a:solidFill>
-                <a:effectLst/>
-                <a:latin typeface="Arial" panose="020B0604020202020204" pitchFamily="34" charset="0"/>
-              </a:rPr>
-              <a:t>Flappy Bird</a:t>
-            </a:r>
-            <a:r>
-              <a:rPr kumimoji="0" lang="en-US" altLang="en-US" sz="1800" b="0" i="0" u="none" strike="noStrike" cap="none" normalizeH="0" baseline="0" smtClean="0">
-                <a:ln>
-                  <a:noFill/>
-                </a:ln>
-                <a:solidFill>
-                  <a:schemeClr val="tx1"/>
-                </a:solidFill>
-                <a:effectLst/>
-                <a:latin typeface="Arial" panose="020B0604020202020204" pitchFamily="34" charset="0"/>
-              </a:rPr>
-              <a:t> trên HTML </a:t>
-            </a:r>
-          </a:p>
-          <a:p>
-            <a:pPr marL="0" marR="0" lvl="0" indent="0" algn="l" defTabSz="914400" rtl="0" eaLnBrk="0" fontAlgn="base" latinLnBrk="0" hangingPunct="0">
-              <a:lnSpc>
-                <a:spcPct val="100000"/>
-              </a:lnSpc>
-              <a:spcBef>
-                <a:spcPct val="0"/>
-              </a:spcBef>
-              <a:spcAft>
-                <a:spcPct val="0"/>
-              </a:spcAft>
-              <a:buClrTx/>
-              <a:buSzTx/>
-              <a:buFontTx/>
-              <a:buChar char="•"/>
-              <a:tabLst/>
-            </a:pPr>
-            <a:r>
-              <a:rPr kumimoji="0" lang="en-US" altLang="en-US" sz="1800" b="1" i="0" u="none" strike="noStrike" cap="none" normalizeH="0" baseline="0" smtClean="0">
-                <a:ln>
-                  <a:noFill/>
-                </a:ln>
-                <a:solidFill>
-                  <a:schemeClr val="tx1"/>
-                </a:solidFill>
-                <a:effectLst/>
-                <a:latin typeface="Arial" panose="020B0604020202020204" pitchFamily="34" charset="0"/>
-              </a:rPr>
-              <a:t>Snake (Rắn săn mồi)</a:t>
-            </a:r>
-            <a:r>
-              <a:rPr kumimoji="0" lang="en-US" altLang="en-US" sz="1800" b="0" i="0" u="none" strike="noStrike" cap="none" normalizeH="0" baseline="0" smtClean="0">
-                <a:ln>
-                  <a:noFill/>
-                </a:ln>
-                <a:solidFill>
-                  <a:schemeClr val="tx1"/>
-                </a:solidFill>
-                <a:effectLst/>
-                <a:latin typeface="Arial" panose="020B0604020202020204" pitchFamily="34" charset="0"/>
-              </a:rPr>
-              <a:t> </a:t>
-            </a:r>
-          </a:p>
-          <a:p>
-            <a:pPr marL="0" marR="0" lvl="0" indent="0" algn="l" defTabSz="914400" rtl="0" eaLnBrk="0" fontAlgn="base" latinLnBrk="0" hangingPunct="0">
-              <a:lnSpc>
-                <a:spcPct val="100000"/>
-              </a:lnSpc>
-              <a:spcBef>
-                <a:spcPct val="0"/>
-              </a:spcBef>
-              <a:spcAft>
-                <a:spcPct val="0"/>
-              </a:spcAft>
-              <a:buClrTx/>
-              <a:buSzTx/>
-              <a:buFontTx/>
-              <a:buChar char="•"/>
-              <a:tabLst/>
-            </a:pPr>
-            <a:r>
-              <a:rPr kumimoji="0" lang="en-US" altLang="en-US" sz="1800" b="1" i="0" u="none" strike="noStrike" cap="none" normalizeH="0" baseline="0" smtClean="0">
-                <a:ln>
-                  <a:noFill/>
-                </a:ln>
-                <a:solidFill>
-                  <a:schemeClr val="tx1"/>
-                </a:solidFill>
-                <a:effectLst/>
-                <a:latin typeface="Arial" panose="020B0604020202020204" pitchFamily="34" charset="0"/>
-              </a:rPr>
-              <a:t>Minesweeper (Dò mìn)</a:t>
-            </a:r>
-            <a:r>
-              <a:rPr kumimoji="0" lang="en-US" altLang="en-US" sz="1800" b="0" i="0" u="none" strike="noStrike" cap="none" normalizeH="0" baseline="0" smtClean="0">
-                <a:ln>
-                  <a:noFill/>
-                </a:ln>
-                <a:solidFill>
-                  <a:schemeClr val="tx1"/>
-                </a:solidFill>
-                <a:effectLst/>
-                <a:latin typeface="Arial" panose="020B0604020202020204" pitchFamily="34" charset="0"/>
-              </a:rPr>
-              <a:t> </a:t>
-            </a:r>
-          </a:p>
-          <a:p>
-            <a:pPr marL="0" marR="0" lvl="0" indent="0" algn="l" defTabSz="914400" rtl="0" eaLnBrk="0" fontAlgn="base" latinLnBrk="0" hangingPunct="0">
-              <a:lnSpc>
-                <a:spcPct val="100000"/>
-              </a:lnSpc>
-              <a:spcBef>
-                <a:spcPct val="0"/>
-              </a:spcBef>
-              <a:spcAft>
-                <a:spcPct val="0"/>
-              </a:spcAft>
-              <a:buClrTx/>
-              <a:buSzTx/>
-              <a:buFontTx/>
-              <a:buChar char="•"/>
-              <a:tabLst/>
-            </a:pPr>
-            <a:endParaRPr kumimoji="0" lang="en-US" altLang="en-US" sz="1800" b="0" i="0" u="none" strike="noStrike" cap="none" normalizeH="0" baseline="0" smtClean="0">
-              <a:ln>
-                <a:noFill/>
-              </a:ln>
-              <a:solidFill>
-                <a:schemeClr val="tx1"/>
-              </a:solidFill>
-              <a:effectLst/>
-              <a:latin typeface="Arial" panose="020B0604020202020204" pitchFamily="34" charset="0"/>
-            </a:endParaRPr>
-          </a:p>
-        </p:txBody>
-      </p:sp>
+      </p:pic>
     </p:spTree>
     <p:extLst>
       <p:ext uri="{BB962C8B-B14F-4D97-AF65-F5344CB8AC3E}">
-        <p14:creationId xmlns:p14="http://schemas.microsoft.com/office/powerpoint/2010/main" val="602450866"/>
+        <p14:creationId xmlns:p14="http://schemas.microsoft.com/office/powerpoint/2010/main" val="3634388534"/>
       </p:ext>
     </p:extLst>
   </p:cSld>
@@ -10165,7 +9983,7 @@
         </p:nvSpPr>
         <p:spPr>
           <a:xfrm>
-            <a:off x="1447865" y="1258424"/>
+            <a:off x="1719714" y="1538510"/>
             <a:ext cx="8911687" cy="1280890"/>
           </a:xfrm>
         </p:spPr>
@@ -10175,7 +9993,15 @@
           <a:p>
             <a:r>
               <a:rPr lang="en-US" dirty="0" err="1" smtClean="0"/>
-              <a:t>Mình</a:t>
+              <a:t>Các</a:t>
+            </a:r>
+            <a:r>
+              <a:rPr lang="en-US" dirty="0" smtClean="0"/>
+              <a:t> game </a:t>
+            </a:r>
+            <a:r>
+              <a:rPr lang="en-US" dirty="0" err="1" smtClean="0"/>
+              <a:t>ví</a:t>
             </a:r>
             <a:r>
               <a:rPr lang="en-US" dirty="0" smtClean="0"/>
@@ -10183,31 +10009,7 @@
             </a:r>
             <a:r>
               <a:rPr lang="en-US" dirty="0" err="1" smtClean="0"/>
-              <a:t>đã</a:t>
-            </a:r>
-            <a:r>
-              <a:rPr lang="en-US" dirty="0" smtClean="0"/>
-              <a:t> </a:t>
-            </a:r>
-            <a:r>
-              <a:rPr lang="en-US" dirty="0" err="1" smtClean="0"/>
-              <a:t>học</a:t>
-            </a:r>
-            <a:r>
-              <a:rPr lang="en-US" dirty="0" smtClean="0"/>
-              <a:t> </a:t>
-            </a:r>
-            <a:r>
-              <a:rPr lang="en-US" dirty="0" err="1" smtClean="0"/>
-              <a:t>được</a:t>
-            </a:r>
-            <a:r>
-              <a:rPr lang="en-US" dirty="0" smtClean="0"/>
-              <a:t> </a:t>
-            </a:r>
-            <a:r>
-              <a:rPr lang="en-US" dirty="0" err="1" smtClean="0"/>
-              <a:t>gì</a:t>
+              <a:t>dụ</a:t>
             </a:r>
             <a:endParaRPr lang="en-US" dirty="0"/>
           </a:p>
@@ -10225,7 +10027,7 @@
         </p:nvSpPr>
         <p:spPr bwMode="auto">
           <a:xfrm>
-            <a:off x="1447865" y="782595"/>
+            <a:off x="1716001" y="1178011"/>
             <a:ext cx="8915400" cy="3777622"/>
           </a:xfrm>
           <a:prstGeom prst="rect">
@@ -10301,7 +10103,7 @@
                 <a:effectLst/>
                 <a:latin typeface="Arial" panose="020B0604020202020204" pitchFamily="34" charset="0"/>
               </a:rPr>
-              <a:t>Cách lập trình game cơ bản</a:t>
+              <a:t>Flappy Bird</a:t>
             </a:r>
             <a:r>
               <a:rPr kumimoji="0" lang="en-US" altLang="en-US" sz="1800" b="0" i="0" u="none" strike="noStrike" cap="none" normalizeH="0" baseline="0" smtClean="0">
@@ -10314,7 +10116,7 @@
                 <a:effectLst/>
                 <a:latin typeface="Arial" panose="020B0604020202020204" pitchFamily="34" charset="0"/>
               </a:rPr>
-              <a:t> </a:t>
+              <a:t> trên HTML </a:t>
             </a:r>
           </a:p>
           <a:p>
@@ -10345,7 +10147,7 @@
                 <a:effectLst/>
                 <a:latin typeface="Arial" panose="020B0604020202020204" pitchFamily="34" charset="0"/>
               </a:rPr>
-              <a:t>Ứng dụng AI vào game</a:t>
+              <a:t>Snake (Rắn săn mồi)</a:t>
             </a:r>
             <a:r>
               <a:rPr kumimoji="0" lang="en-US" altLang="en-US" sz="1800" b="0" i="0" u="none" strike="noStrike" cap="none" normalizeH="0" baseline="0" smtClean="0">
@@ -10389,7 +10191,7 @@
                 <a:effectLst/>
                 <a:latin typeface="Arial" panose="020B0604020202020204" pitchFamily="34" charset="0"/>
               </a:rPr>
-              <a:t>Tư duy logic &amp; giải quyết vấn đề</a:t>
+              <a:t>Minesweeper (Dò mìn)</a:t>
             </a:r>
             <a:r>
               <a:rPr kumimoji="0" lang="en-US" altLang="en-US" sz="1800" b="0" i="0" u="none" strike="noStrike" cap="none" normalizeH="0" baseline="0" smtClean="0">
@@ -10404,13 +10206,41 @@
               </a:rPr>
               <a:t> </a:t>
             </a:r>
+          </a:p>
+          <a:p>
+            <a:pPr marL="0" marR="0" lvl="0" indent="0" algn="l" defTabSz="914400" rtl="0" eaLnBrk="0" fontAlgn="base" latinLnBrk="0" hangingPunct="0">
+              <a:lnSpc>
+                <a:spcPct val="100000"/>
+              </a:lnSpc>
+              <a:spcBef>
+                <a:spcPct val="0"/>
+              </a:spcBef>
+              <a:spcAft>
+                <a:spcPct val="0"/>
+              </a:spcAft>
+              <a:buClrTx/>
+              <a:buSzTx/>
+              <a:buFontTx/>
+              <a:buChar char="•"/>
+              <a:tabLst/>
+            </a:pPr>
+            <a:endParaRPr kumimoji="0" lang="en-US" altLang="en-US" sz="1800" b="0" i="0" u="none" strike="noStrike" cap="none" normalizeH="0" baseline="0" smtClean="0">
+              <a:ln>
+                <a:noFill/>
+              </a:ln>
+              <a:solidFill>
+                <a:schemeClr val="tx1"/>
+              </a:solidFill>
+              <a:effectLst/>
+              <a:latin typeface="Arial" panose="020B0604020202020204" pitchFamily="34" charset="0"/>
+            </a:endParaRPr>
           </a:p>
         </p:txBody>
       </p:sp>
     </p:spTree>
     <p:extLst>
       <p:ext uri="{BB962C8B-B14F-4D97-AF65-F5344CB8AC3E}">
-        <p14:creationId xmlns:p14="http://schemas.microsoft.com/office/powerpoint/2010/main" val="2826101375"/>
+        <p14:creationId xmlns:p14="http://schemas.microsoft.com/office/powerpoint/2010/main" val="602450866"/>
       </p:ext>
     </p:extLst>
   </p:cSld>
@@ -10456,6 +10286,297 @@
         </p:nvSpPr>
         <p:spPr>
           <a:xfrm>
+            <a:off x="1447865" y="1258424"/>
+            <a:ext cx="8911687" cy="1280890"/>
+          </a:xfrm>
+        </p:spPr>
+        <p:txBody>
+          <a:bodyPr/>
+          <a:lstStyle/>
+          <a:p>
+            <a:r>
+              <a:rPr lang="en-US" dirty="0" err="1" smtClean="0"/>
+              <a:t>Mình</a:t>
+            </a:r>
+            <a:r>
+              <a:rPr lang="en-US" dirty="0" smtClean="0"/>
+              <a:t> </a:t>
+            </a:r>
+            <a:r>
+              <a:rPr lang="en-US" dirty="0" err="1" smtClean="0"/>
+              <a:t>đã</a:t>
+            </a:r>
+            <a:r>
+              <a:rPr lang="en-US" dirty="0" smtClean="0"/>
+              <a:t> </a:t>
+            </a:r>
+            <a:r>
+              <a:rPr lang="en-US" dirty="0" err="1" smtClean="0"/>
+              <a:t>học</a:t>
+            </a:r>
+            <a:r>
+              <a:rPr lang="en-US" dirty="0" smtClean="0"/>
+              <a:t> </a:t>
+            </a:r>
+            <a:r>
+              <a:rPr lang="en-US" dirty="0" err="1" smtClean="0"/>
+              <a:t>được</a:t>
+            </a:r>
+            <a:r>
+              <a:rPr lang="en-US" dirty="0" smtClean="0"/>
+              <a:t> </a:t>
+            </a:r>
+            <a:r>
+              <a:rPr lang="en-US" dirty="0" err="1" smtClean="0"/>
+              <a:t>gì</a:t>
+            </a:r>
+            <a:endParaRPr lang="en-US" dirty="0"/>
+          </a:p>
+        </p:txBody>
+      </p:sp>
+      <p:sp>
+        <p:nvSpPr>
+          <p:cNvPr id="4" name="Rectangle 1"/>
+          <p:cNvSpPr>
+            <a:spLocks noGrp="1" noChangeArrowheads="1"/>
+          </p:cNvSpPr>
+          <p:nvPr>
+            <p:ph idx="1"/>
+          </p:nvPr>
+        </p:nvSpPr>
+        <p:spPr bwMode="auto">
+          <a:xfrm>
+            <a:off x="1447865" y="782595"/>
+            <a:ext cx="8915400" cy="3777622"/>
+          </a:xfrm>
+          <a:prstGeom prst="rect">
+            <a:avLst/>
+          </a:prstGeom>
+          <a:noFill/>
+          <a:ln>
+            <a:noFill/>
+          </a:ln>
+          <a:effectLst/>
+          <a:extLst>
+            <a:ext uri="{909E8E84-426E-40DD-AFC4-6F175D3DCCD1}">
+              <a14:hiddenFill xmlns:a14="http://schemas.microsoft.com/office/drawing/2010/main">
+                <a:solidFill>
+                  <a:schemeClr val="accent1"/>
+                </a:solidFill>
+              </a14:hiddenFill>
+            </a:ext>
+            <a:ext uri="{91240B29-F687-4F45-9708-019B960494DF}">
+              <a14:hiddenLine xmlns:a14="http://schemas.microsoft.com/office/drawing/2010/main" w="9525">
+                <a:solidFill>
+                  <a:schemeClr val="tx1"/>
+                </a:solidFill>
+                <a:miter lim="800000"/>
+                <a:headEnd/>
+                <a:tailEnd/>
+              </a14:hiddenLine>
+            </a:ext>
+            <a:ext uri="{AF507438-7753-43E0-B8FC-AC1667EBCBE1}">
+              <a14:hiddenEffects xmlns:a14="http://schemas.microsoft.com/office/drawing/2010/main">
+                <a:effectLst>
+                  <a:outerShdw dist="35921" dir="2700000" algn="ctr" rotWithShape="0">
+                    <a:schemeClr val="bg2"/>
+                  </a:outerShdw>
+                </a:effectLst>
+              </a14:hiddenEffects>
+            </a:ext>
+          </a:extLst>
+        </p:spPr>
+        <p:txBody>
+          <a:bodyPr vert="horz" wrap="none" lIns="91440" tIns="45720" rIns="91440" bIns="45720" numCol="1" anchor="ctr" anchorCtr="0" compatLnSpc="1">
+            <a:prstTxWarp prst="textNoShape">
+              <a:avLst/>
+            </a:prstTxWarp>
+            <a:spAutoFit/>
+          </a:bodyPr>
+          <a:lstStyle/>
+          <a:p>
+            <a:pPr marL="0" marR="0" lvl="0" indent="0" algn="l" defTabSz="914400" rtl="0" eaLnBrk="0" fontAlgn="base" latinLnBrk="0" hangingPunct="0">
+              <a:lnSpc>
+                <a:spcPct val="100000"/>
+              </a:lnSpc>
+              <a:spcBef>
+                <a:spcPct val="0"/>
+              </a:spcBef>
+              <a:spcAft>
+                <a:spcPct val="0"/>
+              </a:spcAft>
+              <a:buClrTx/>
+              <a:buSzTx/>
+              <a:buFontTx/>
+              <a:buChar char="•"/>
+              <a:tabLst/>
+            </a:pPr>
+            <a:r>
+              <a:rPr kumimoji="0" lang="en-US" altLang="en-US" sz="1800" b="1" i="0" u="none" strike="noStrike" cap="none" normalizeH="0" baseline="0" smtClean="0">
+                <a:ln>
+                  <a:noFill/>
+                </a:ln>
+                <a:solidFill>
+                  <a:schemeClr val="tx1"/>
+                </a:solidFill>
+                <a:effectLst/>
+                <a:latin typeface="Arial" panose="020B0604020202020204" pitchFamily="34" charset="0"/>
+              </a:rPr>
+              <a:t>Cách lập trình game cơ bản</a:t>
+            </a:r>
+            <a:r>
+              <a:rPr kumimoji="0" lang="en-US" altLang="en-US" sz="1800" b="0" i="0" u="none" strike="noStrike" cap="none" normalizeH="0" baseline="0" smtClean="0">
+                <a:ln>
+                  <a:noFill/>
+                </a:ln>
+                <a:solidFill>
+                  <a:schemeClr val="tx1"/>
+                </a:solidFill>
+                <a:effectLst/>
+                <a:latin typeface="Arial" panose="020B0604020202020204" pitchFamily="34" charset="0"/>
+              </a:rPr>
+              <a:t> </a:t>
+            </a:r>
+          </a:p>
+          <a:p>
+            <a:pPr marL="0" marR="0" lvl="0" indent="0" algn="l" defTabSz="914400" rtl="0" eaLnBrk="0" fontAlgn="base" latinLnBrk="0" hangingPunct="0">
+              <a:lnSpc>
+                <a:spcPct val="100000"/>
+              </a:lnSpc>
+              <a:spcBef>
+                <a:spcPct val="0"/>
+              </a:spcBef>
+              <a:spcAft>
+                <a:spcPct val="0"/>
+              </a:spcAft>
+              <a:buClrTx/>
+              <a:buSzTx/>
+              <a:buFontTx/>
+              <a:buChar char="•"/>
+              <a:tabLst/>
+            </a:pPr>
+            <a:r>
+              <a:rPr kumimoji="0" lang="en-US" altLang="en-US" sz="1800" b="1" i="0" u="none" strike="noStrike" cap="none" normalizeH="0" baseline="0" smtClean="0">
+                <a:ln>
+                  <a:noFill/>
+                </a:ln>
+                <a:solidFill>
+                  <a:schemeClr val="tx1"/>
+                </a:solidFill>
+                <a:effectLst/>
+                <a:latin typeface="Arial" panose="020B0604020202020204" pitchFamily="34" charset="0"/>
+              </a:rPr>
+              <a:t>Ứng dụng AI vào game</a:t>
+            </a:r>
+            <a:r>
+              <a:rPr kumimoji="0" lang="en-US" altLang="en-US" sz="1800" b="0" i="0" u="none" strike="noStrike" cap="none" normalizeH="0" baseline="0" smtClean="0">
+                <a:ln>
+                  <a:noFill/>
+                </a:ln>
+                <a:solidFill>
+                  <a:schemeClr val="tx1"/>
+                </a:solidFill>
+                <a:effectLst/>
+                <a:latin typeface="Arial" panose="020B0604020202020204" pitchFamily="34" charset="0"/>
+              </a:rPr>
+              <a:t> </a:t>
+            </a:r>
+          </a:p>
+          <a:p>
+            <a:pPr marL="0" marR="0" lvl="0" indent="0" algn="l" defTabSz="914400" rtl="0" eaLnBrk="0" fontAlgn="base" latinLnBrk="0" hangingPunct="0">
+              <a:lnSpc>
+                <a:spcPct val="100000"/>
+              </a:lnSpc>
+              <a:spcBef>
+                <a:spcPct val="0"/>
+              </a:spcBef>
+              <a:spcAft>
+                <a:spcPct val="0"/>
+              </a:spcAft>
+              <a:buClrTx/>
+              <a:buSzTx/>
+              <a:buFontTx/>
+              <a:buChar char="•"/>
+              <a:tabLst/>
+            </a:pPr>
+            <a:r>
+              <a:rPr kumimoji="0" lang="en-US" altLang="en-US" sz="1800" b="1" i="0" u="none" strike="noStrike" cap="none" normalizeH="0" baseline="0" smtClean="0">
+                <a:ln>
+                  <a:noFill/>
+                </a:ln>
+                <a:solidFill>
+                  <a:schemeClr val="tx1"/>
+                </a:solidFill>
+                <a:effectLst/>
+                <a:latin typeface="Arial" panose="020B0604020202020204" pitchFamily="34" charset="0"/>
+              </a:rPr>
+              <a:t>Tư duy logic &amp; giải quyết vấn đề</a:t>
+            </a:r>
+            <a:r>
+              <a:rPr kumimoji="0" lang="en-US" altLang="en-US" sz="1800" b="0" i="0" u="none" strike="noStrike" cap="none" normalizeH="0" baseline="0" smtClean="0">
+                <a:ln>
+                  <a:noFill/>
+                </a:ln>
+                <a:solidFill>
+                  <a:schemeClr val="tx1"/>
+                </a:solidFill>
+                <a:effectLst/>
+                <a:latin typeface="Arial" panose="020B0604020202020204" pitchFamily="34" charset="0"/>
+              </a:rPr>
+              <a:t> </a:t>
+            </a:r>
+          </a:p>
+        </p:txBody>
+      </p:sp>
+    </p:spTree>
+    <p:extLst>
+      <p:ext uri="{BB962C8B-B14F-4D97-AF65-F5344CB8AC3E}">
+        <p14:creationId xmlns:p14="http://schemas.microsoft.com/office/powerpoint/2010/main" val="2826101375"/>
+      </p:ext>
+    </p:extLst>
+  </p:cSld>
+  <p:clrMapOvr>
+    <a:masterClrMapping/>
+  </p:clrMapOvr>
+  <p:timing>
+    <p:tnLst>
+      <p:par>
+        <p:cTn id="1" dur="indefinite" restart="never" nodeType="tmRoot"/>
+      </p:par>
+    </p:tnLst>
+  </p:timing>
+</p:sld>
+</file>
+
+<file path=ppt/slides/slide7.xml><?xml version="1.0" encoding="utf-8"?>
+<p:sld xmlns:a="http://schemas.openxmlformats.org/drawingml/2006/main" xmlns:r="http://schemas.openxmlformats.org/officeDocument/2006/relationships" xmlns:p="http://schemas.openxmlformats.org/presentationml/2006/main">
+  <p:cSld>
+    <p:spTree>
+      <p:nvGrpSpPr>
+        <p:cNvPr id="1" name=""/>
+        <p:cNvGrpSpPr/>
+        <p:nvPr/>
+      </p:nvGrpSpPr>
+      <p:grpSpPr>
+        <a:xfrm>
+          <a:off x="0" y="0"/>
+          <a:ext cx="0" cy="0"/>
+          <a:chOff x="0" y="0"/>
+          <a:chExt cx="0" cy="0"/>
+        </a:xfrm>
+      </p:grpSpPr>
+      <p:sp>
+        <p:nvSpPr>
+          <p:cNvPr id="2" name="Title 1"/>
+          <p:cNvSpPr>
+            <a:spLocks noGrp="1"/>
+          </p:cNvSpPr>
+          <p:nvPr>
+            <p:ph type="title"/>
+          </p:nvPr>
+        </p:nvSpPr>
+        <p:spPr>
+          <a:xfrm>
             <a:off x="1686763" y="1232031"/>
             <a:ext cx="8911687" cy="1280890"/>
           </a:xfrm>
@@ -10652,7 +10773,7 @@
 </p:sld>
 </file>
 
-<file path=ppt/slides/slide7.xml><?xml version="1.0" encoding="utf-8"?>
+<file path=ppt/slides/slide8.xml><?xml version="1.0" encoding="utf-8"?>
 <p:sld xmlns:a="http://schemas.openxmlformats.org/drawingml/2006/main" xmlns:r="http://schemas.openxmlformats.org/officeDocument/2006/relationships" xmlns:p="http://schemas.openxmlformats.org/presentationml/2006/main">
   <p:cSld>
     <p:spTree>
